--- a/trunk/Training/ConEd-2019/Session5.pptx
+++ b/trunk/Training/ConEd-2019/Session5.pptx
@@ -278,7 +278,7 @@
           <a:p>
             <a:fld id="{FF391D5B-F21D-4A23-BC16-77D248A42E04}" type="datetimeFigureOut">
               <a:rPr lang="en-US" smtClean="0"/>
-              <a:t>9/17/2019</a:t>
+              <a:t>10/14/2019</a:t>
             </a:fld>
             <a:endParaRPr lang="en-US"/>
           </a:p>
@@ -443,7 +443,7 @@
           <a:p>
             <a:fld id="{21D603EA-85D6-422C-AB10-17A2A7923832}" type="datetimeFigureOut">
               <a:rPr lang="en-US" smtClean="0"/>
-              <a:t>9/17/2019</a:t>
+              <a:t>10/14/2019</a:t>
             </a:fld>
             <a:endParaRPr lang="en-US" dirty="0"/>
           </a:p>
@@ -15575,57 +15575,6 @@
       </p:grpSpPr>
       <p:sp>
         <p:nvSpPr>
-          <p:cNvPr id="2" name="Subtitle 1"/>
-          <p:cNvSpPr>
-            <a:spLocks noGrp="1"/>
-          </p:cNvSpPr>
-          <p:nvPr>
-            <p:ph type="subTitle" sz="quarter" idx="1"/>
-          </p:nvPr>
-        </p:nvSpPr>
-        <p:spPr/>
-        <p:txBody>
-          <a:bodyPr numCol="1"/>
-          <a:lstStyle/>
-          <a:p>
-            <a:r>
-              <a:rPr lang="en-US" dirty="0"/>
-              <a:t>Roger C. Dugan</a:t>
-            </a:r>
-          </a:p>
-          <a:p>
-            <a:r>
-              <a:rPr lang="en-US"/>
-              <a:t>Davis Montenegro</a:t>
-            </a:r>
-          </a:p>
-          <a:p>
-            <a:r>
-              <a:rPr lang="en-US"/>
-              <a:t>EPRI </a:t>
-            </a:r>
-            <a:r>
-              <a:rPr lang="en-US" dirty="0"/>
-              <a:t>Knoxville, TN</a:t>
-            </a:r>
-          </a:p>
-          <a:p>
-            <a:endParaRPr lang="en-US" dirty="0"/>
-          </a:p>
-          <a:p>
-            <a:endParaRPr lang="en-US" dirty="0"/>
-          </a:p>
-          <a:p>
-            <a:r>
-              <a:rPr lang="en-US" b="1" dirty="0"/>
-              <a:t>September 24-25, 2019</a:t>
-            </a:r>
-            <a:endParaRPr lang="en-US" dirty="0"/>
-          </a:p>
-        </p:txBody>
-      </p:sp>
-      <p:sp>
-        <p:nvSpPr>
           <p:cNvPr id="3" name="Title 2"/>
           <p:cNvSpPr>
             <a:spLocks noGrp="1"/>
@@ -15652,30 +15601,532 @@
       </p:sp>
       <p:sp>
         <p:nvSpPr>
-          <p:cNvPr id="4" name="Text Placeholder 3"/>
-          <p:cNvSpPr>
-            <a:spLocks noGrp="1"/>
+          <p:cNvPr id="9" name="Subtitle 1">
+            <a:extLst>
+              <a:ext uri="{FF2B5EF4-FFF2-40B4-BE49-F238E27FC236}">
+                <a16:creationId xmlns:a16="http://schemas.microsoft.com/office/drawing/2014/main" id="{38DDBECD-8744-4D5C-B4E3-ED7EC00DA748}"/>
+              </a:ext>
+            </a:extLst>
+          </p:cNvPr>
+          <p:cNvSpPr txBox="1">
+            <a:spLocks/>
           </p:cNvSpPr>
-          <p:nvPr>
-            <p:ph type="body" sz="quarter" idx="10"/>
-          </p:nvPr>
+          <p:nvPr/>
         </p:nvSpPr>
-        <p:spPr/>
+        <p:spPr bwMode="auto">
+          <a:xfrm>
+            <a:off x="338625" y="4199037"/>
+            <a:ext cx="5806439" cy="1994984"/>
+          </a:xfrm>
+          <a:prstGeom prst="rect">
+            <a:avLst/>
+          </a:prstGeom>
+          <a:noFill/>
+          <a:ln w="9525">
+            <a:noFill/>
+            <a:miter lim="800000"/>
+            <a:headEnd/>
+            <a:tailEnd/>
+          </a:ln>
+          <a:effectLst/>
+        </p:spPr>
         <p:txBody>
-          <a:bodyPr>
+          <a:bodyPr vert="horz" wrap="square" lIns="91440" tIns="45720" rIns="91440" bIns="45720" numCol="1" anchor="t" anchorCtr="0" compatLnSpc="1">
+            <a:prstTxWarp prst="textNoShape">
+              <a:avLst/>
+            </a:prstTxWarp>
+            <a:normAutofit/>
+          </a:bodyPr>
+          <a:lstStyle>
+            <a:lvl1pPr marL="0" marR="0" indent="0" algn="l" defTabSz="685783" rtl="0" eaLnBrk="1" fontAlgn="base" latinLnBrk="0" hangingPunct="1">
+              <a:lnSpc>
+                <a:spcPct val="100000"/>
+              </a:lnSpc>
+              <a:spcBef>
+                <a:spcPct val="0"/>
+              </a:spcBef>
+              <a:spcAft>
+                <a:spcPts val="0"/>
+              </a:spcAft>
+              <a:buClr>
+                <a:schemeClr val="tx1">
+                  <a:lumMod val="65000"/>
+                  <a:lumOff val="35000"/>
+                </a:schemeClr>
+              </a:buClr>
+              <a:buSzPct val="80000"/>
+              <a:buFontTx/>
+              <a:buNone/>
+              <a:tabLst/>
+              <a:defRPr sz="1600">
+                <a:solidFill>
+                  <a:schemeClr val="tx1"/>
+                </a:solidFill>
+                <a:latin typeface="+mn-lt"/>
+                <a:ea typeface="+mn-ea"/>
+                <a:cs typeface="Calibri Light" panose="020F0302020204030204" pitchFamily="34" charset="0"/>
+              </a:defRPr>
+            </a:lvl1pPr>
+            <a:lvl2pPr marL="425043" indent="-209545" algn="l" rtl="0" eaLnBrk="1" fontAlgn="base" hangingPunct="1">
+              <a:lnSpc>
+                <a:spcPct val="100000"/>
+              </a:lnSpc>
+              <a:spcBef>
+                <a:spcPct val="0"/>
+              </a:spcBef>
+              <a:spcAft>
+                <a:spcPts val="450"/>
+              </a:spcAft>
+              <a:buClr>
+                <a:schemeClr val="tx1">
+                  <a:lumMod val="65000"/>
+                  <a:lumOff val="35000"/>
+                </a:schemeClr>
+              </a:buClr>
+              <a:buSzPct val="80000"/>
+              <a:buChar char="–"/>
+              <a:defRPr sz="2100">
+                <a:solidFill>
+                  <a:schemeClr val="tx1"/>
+                </a:solidFill>
+                <a:latin typeface="+mn-lt"/>
+              </a:defRPr>
+            </a:lvl2pPr>
+            <a:lvl3pPr marL="641731" indent="-167875" algn="l" rtl="0" eaLnBrk="1" fontAlgn="base" hangingPunct="1">
+              <a:lnSpc>
+                <a:spcPct val="100000"/>
+              </a:lnSpc>
+              <a:spcBef>
+                <a:spcPct val="0"/>
+              </a:spcBef>
+              <a:spcAft>
+                <a:spcPts val="450"/>
+              </a:spcAft>
+              <a:buClr>
+                <a:schemeClr val="tx1">
+                  <a:lumMod val="65000"/>
+                  <a:lumOff val="35000"/>
+                </a:schemeClr>
+              </a:buClr>
+              <a:buSzPct val="80000"/>
+              <a:buFont typeface="Wingdings" panose="05000000000000000000" pitchFamily="2" charset="2"/>
+              <a:buChar char="§"/>
+              <a:defRPr sz="2100">
+                <a:solidFill>
+                  <a:schemeClr val="tx1"/>
+                </a:solidFill>
+                <a:latin typeface="+mn-lt"/>
+              </a:defRPr>
+            </a:lvl3pPr>
+            <a:lvl4pPr marL="946523" indent="-216689" algn="l" rtl="0" eaLnBrk="1" fontAlgn="base" hangingPunct="1">
+              <a:lnSpc>
+                <a:spcPct val="100000"/>
+              </a:lnSpc>
+              <a:spcBef>
+                <a:spcPct val="0"/>
+              </a:spcBef>
+              <a:spcAft>
+                <a:spcPts val="450"/>
+              </a:spcAft>
+              <a:buClr>
+                <a:schemeClr val="tx1">
+                  <a:lumMod val="65000"/>
+                  <a:lumOff val="35000"/>
+                </a:schemeClr>
+              </a:buClr>
+              <a:buSzPct val="80000"/>
+              <a:buChar char="–"/>
+              <a:defRPr sz="2100">
+                <a:solidFill>
+                  <a:schemeClr val="tx1"/>
+                </a:solidFill>
+                <a:latin typeface="+mn-lt"/>
+              </a:defRPr>
+            </a:lvl4pPr>
+            <a:lvl5pPr marL="1153688" indent="-169065" algn="l" rtl="0" eaLnBrk="1" fontAlgn="base" hangingPunct="1">
+              <a:lnSpc>
+                <a:spcPct val="100000"/>
+              </a:lnSpc>
+              <a:spcBef>
+                <a:spcPct val="0"/>
+              </a:spcBef>
+              <a:spcAft>
+                <a:spcPts val="450"/>
+              </a:spcAft>
+              <a:buClr>
+                <a:schemeClr val="tx1">
+                  <a:lumMod val="65000"/>
+                  <a:lumOff val="35000"/>
+                </a:schemeClr>
+              </a:buClr>
+              <a:buSzPct val="80000"/>
+              <a:buFont typeface="Wingdings" panose="05000000000000000000" pitchFamily="2" charset="2"/>
+              <a:buChar char="§"/>
+              <a:defRPr sz="2100">
+                <a:solidFill>
+                  <a:schemeClr val="tx1"/>
+                </a:solidFill>
+                <a:latin typeface="+mn-lt"/>
+              </a:defRPr>
+            </a:lvl5pPr>
+            <a:lvl6pPr marL="1458479" indent="-130966" algn="l" rtl="0" eaLnBrk="1" fontAlgn="base" hangingPunct="1">
+              <a:lnSpc>
+                <a:spcPct val="95000"/>
+              </a:lnSpc>
+              <a:spcBef>
+                <a:spcPct val="0"/>
+              </a:spcBef>
+              <a:spcAft>
+                <a:spcPct val="25000"/>
+              </a:spcAft>
+              <a:buChar char="•"/>
+              <a:defRPr sz="1800">
+                <a:solidFill>
+                  <a:srgbClr val="000000"/>
+                </a:solidFill>
+                <a:latin typeface="+mn-lt"/>
+              </a:defRPr>
+            </a:lvl6pPr>
+            <a:lvl7pPr marL="1801371" indent="-130966" algn="l" rtl="0" eaLnBrk="1" fontAlgn="base" hangingPunct="1">
+              <a:lnSpc>
+                <a:spcPct val="95000"/>
+              </a:lnSpc>
+              <a:spcBef>
+                <a:spcPct val="0"/>
+              </a:spcBef>
+              <a:spcAft>
+                <a:spcPct val="25000"/>
+              </a:spcAft>
+              <a:buChar char="•"/>
+              <a:defRPr sz="1800">
+                <a:solidFill>
+                  <a:srgbClr val="000000"/>
+                </a:solidFill>
+                <a:latin typeface="+mn-lt"/>
+              </a:defRPr>
+            </a:lvl7pPr>
+            <a:lvl8pPr marL="2144263" indent="-130966" algn="l" rtl="0" eaLnBrk="1" fontAlgn="base" hangingPunct="1">
+              <a:lnSpc>
+                <a:spcPct val="95000"/>
+              </a:lnSpc>
+              <a:spcBef>
+                <a:spcPct val="0"/>
+              </a:spcBef>
+              <a:spcAft>
+                <a:spcPct val="25000"/>
+              </a:spcAft>
+              <a:buChar char="•"/>
+              <a:defRPr sz="1800">
+                <a:solidFill>
+                  <a:srgbClr val="000000"/>
+                </a:solidFill>
+                <a:latin typeface="+mn-lt"/>
+              </a:defRPr>
+            </a:lvl8pPr>
+            <a:lvl9pPr marL="2487154" indent="-130966" algn="l" rtl="0" eaLnBrk="1" fontAlgn="base" hangingPunct="1">
+              <a:lnSpc>
+                <a:spcPct val="95000"/>
+              </a:lnSpc>
+              <a:spcBef>
+                <a:spcPct val="0"/>
+              </a:spcBef>
+              <a:spcAft>
+                <a:spcPct val="25000"/>
+              </a:spcAft>
+              <a:buChar char="•"/>
+              <a:defRPr sz="1800">
+                <a:solidFill>
+                  <a:srgbClr val="000000"/>
+                </a:solidFill>
+                <a:latin typeface="+mn-lt"/>
+              </a:defRPr>
+            </a:lvl9pPr>
+          </a:lstStyle>
+          <a:p>
+            <a:r>
+              <a:rPr lang="en-US" kern="0" dirty="0"/>
+              <a:t>Roger C. Dugan</a:t>
+            </a:r>
+          </a:p>
+          <a:p>
+            <a:r>
+              <a:rPr lang="en-US" kern="0" dirty="0"/>
+              <a:t>Davis Montenegro</a:t>
+            </a:r>
+          </a:p>
+          <a:p>
+            <a:r>
+              <a:rPr lang="en-US" kern="0" dirty="0"/>
+              <a:t>EPRI Knoxville, TN</a:t>
+            </a:r>
+          </a:p>
+          <a:p>
+            <a:endParaRPr lang="en-US" kern="0" dirty="0"/>
+          </a:p>
+          <a:p>
+            <a:endParaRPr lang="en-US" kern="0" dirty="0"/>
+          </a:p>
+          <a:p>
+            <a:r>
+              <a:rPr lang="en-US" b="1" kern="0" dirty="0"/>
+              <a:t>October 17-18, 2019</a:t>
+            </a:r>
+            <a:endParaRPr lang="en-US" kern="0" dirty="0"/>
+          </a:p>
+        </p:txBody>
+      </p:sp>
+      <p:sp>
+        <p:nvSpPr>
+          <p:cNvPr id="10" name="Text Placeholder 3">
+            <a:extLst>
+              <a:ext uri="{FF2B5EF4-FFF2-40B4-BE49-F238E27FC236}">
+                <a16:creationId xmlns:a16="http://schemas.microsoft.com/office/drawing/2014/main" id="{EB3BFB04-95BB-4F34-A602-6F4AEAB95003}"/>
+              </a:ext>
+            </a:extLst>
+          </p:cNvPr>
+          <p:cNvSpPr txBox="1">
+            <a:spLocks/>
+          </p:cNvSpPr>
+          <p:nvPr/>
+        </p:nvSpPr>
+        <p:spPr bwMode="auto">
+          <a:xfrm>
+            <a:off x="338625" y="3609124"/>
+            <a:ext cx="5806439" cy="589913"/>
+          </a:xfrm>
+          <a:prstGeom prst="rect">
+            <a:avLst/>
+          </a:prstGeom>
+          <a:noFill/>
+          <a:ln w="9525">
+            <a:noFill/>
+            <a:miter lim="800000"/>
+            <a:headEnd/>
+            <a:tailEnd/>
+          </a:ln>
+          <a:effectLst/>
+        </p:spPr>
+        <p:txBody>
+          <a:bodyPr vert="horz" wrap="square" lIns="91440" tIns="45720" rIns="91440" bIns="45720" numCol="1" anchor="t" anchorCtr="0" compatLnSpc="1">
+            <a:prstTxWarp prst="textNoShape">
+              <a:avLst/>
+            </a:prstTxWarp>
             <a:normAutofit fontScale="92500" lnSpcReduction="20000"/>
           </a:bodyPr>
-          <a:lstStyle/>
-          <a:p>
-            <a:r>
-              <a:rPr lang="en-US" dirty="0"/>
-              <a:t>Idaho Power Co.</a:t>
-            </a:r>
-          </a:p>
-          <a:p>
-            <a:r>
-              <a:rPr lang="en-US" dirty="0"/>
-              <a:t>Boise, Idaho</a:t>
+          <a:lstStyle>
+            <a:lvl1pPr marL="0" indent="0" algn="l" rtl="0" eaLnBrk="1" fontAlgn="base" hangingPunct="1">
+              <a:lnSpc>
+                <a:spcPct val="100000"/>
+              </a:lnSpc>
+              <a:spcBef>
+                <a:spcPct val="0"/>
+              </a:spcBef>
+              <a:spcAft>
+                <a:spcPts val="450"/>
+              </a:spcAft>
+              <a:buClr>
+                <a:schemeClr val="tx1">
+                  <a:lumMod val="65000"/>
+                  <a:lumOff val="35000"/>
+                </a:schemeClr>
+              </a:buClr>
+              <a:buSzPct val="80000"/>
+              <a:buFont typeface="Wingdings" panose="05000000000000000000" pitchFamily="2" charset="2"/>
+              <a:buNone/>
+              <a:defRPr sz="1800" b="1" baseline="0">
+                <a:solidFill>
+                  <a:schemeClr val="accent1"/>
+                </a:solidFill>
+                <a:latin typeface="+mj-lt"/>
+                <a:ea typeface="+mn-ea"/>
+                <a:cs typeface="+mn-cs"/>
+              </a:defRPr>
+            </a:lvl1pPr>
+            <a:lvl2pPr marL="425043" indent="-209545" algn="l" rtl="0" eaLnBrk="1" fontAlgn="base" hangingPunct="1">
+              <a:lnSpc>
+                <a:spcPct val="100000"/>
+              </a:lnSpc>
+              <a:spcBef>
+                <a:spcPct val="0"/>
+              </a:spcBef>
+              <a:spcAft>
+                <a:spcPts val="450"/>
+              </a:spcAft>
+              <a:buClr>
+                <a:schemeClr val="tx1">
+                  <a:lumMod val="65000"/>
+                  <a:lumOff val="35000"/>
+                </a:schemeClr>
+              </a:buClr>
+              <a:buSzPct val="80000"/>
+              <a:buChar char="–"/>
+              <a:defRPr sz="2100">
+                <a:solidFill>
+                  <a:schemeClr val="tx1"/>
+                </a:solidFill>
+                <a:latin typeface="+mn-lt"/>
+              </a:defRPr>
+            </a:lvl2pPr>
+            <a:lvl3pPr marL="641731" indent="-167875" algn="l" rtl="0" eaLnBrk="1" fontAlgn="base" hangingPunct="1">
+              <a:lnSpc>
+                <a:spcPct val="100000"/>
+              </a:lnSpc>
+              <a:spcBef>
+                <a:spcPct val="0"/>
+              </a:spcBef>
+              <a:spcAft>
+                <a:spcPts val="450"/>
+              </a:spcAft>
+              <a:buClr>
+                <a:schemeClr val="tx1">
+                  <a:lumMod val="65000"/>
+                  <a:lumOff val="35000"/>
+                </a:schemeClr>
+              </a:buClr>
+              <a:buSzPct val="80000"/>
+              <a:buFont typeface="Wingdings" panose="05000000000000000000" pitchFamily="2" charset="2"/>
+              <a:buChar char="§"/>
+              <a:defRPr sz="2100">
+                <a:solidFill>
+                  <a:schemeClr val="tx1"/>
+                </a:solidFill>
+                <a:latin typeface="+mn-lt"/>
+              </a:defRPr>
+            </a:lvl3pPr>
+            <a:lvl4pPr marL="946523" indent="-216689" algn="l" rtl="0" eaLnBrk="1" fontAlgn="base" hangingPunct="1">
+              <a:lnSpc>
+                <a:spcPct val="100000"/>
+              </a:lnSpc>
+              <a:spcBef>
+                <a:spcPct val="0"/>
+              </a:spcBef>
+              <a:spcAft>
+                <a:spcPts val="450"/>
+              </a:spcAft>
+              <a:buClr>
+                <a:schemeClr val="tx1">
+                  <a:lumMod val="65000"/>
+                  <a:lumOff val="35000"/>
+                </a:schemeClr>
+              </a:buClr>
+              <a:buSzPct val="80000"/>
+              <a:buChar char="–"/>
+              <a:defRPr sz="2100">
+                <a:solidFill>
+                  <a:schemeClr val="tx1"/>
+                </a:solidFill>
+                <a:latin typeface="+mn-lt"/>
+              </a:defRPr>
+            </a:lvl4pPr>
+            <a:lvl5pPr marL="1153688" indent="-169065" algn="l" rtl="0" eaLnBrk="1" fontAlgn="base" hangingPunct="1">
+              <a:lnSpc>
+                <a:spcPct val="100000"/>
+              </a:lnSpc>
+              <a:spcBef>
+                <a:spcPct val="0"/>
+              </a:spcBef>
+              <a:spcAft>
+                <a:spcPts val="450"/>
+              </a:spcAft>
+              <a:buClr>
+                <a:schemeClr val="tx1">
+                  <a:lumMod val="65000"/>
+                  <a:lumOff val="35000"/>
+                </a:schemeClr>
+              </a:buClr>
+              <a:buSzPct val="80000"/>
+              <a:buFont typeface="Wingdings" panose="05000000000000000000" pitchFamily="2" charset="2"/>
+              <a:buChar char="§"/>
+              <a:defRPr sz="2100">
+                <a:solidFill>
+                  <a:schemeClr val="tx1"/>
+                </a:solidFill>
+                <a:latin typeface="+mn-lt"/>
+              </a:defRPr>
+            </a:lvl5pPr>
+            <a:lvl6pPr marL="1458479" indent="-130966" algn="l" rtl="0" eaLnBrk="1" fontAlgn="base" hangingPunct="1">
+              <a:lnSpc>
+                <a:spcPct val="95000"/>
+              </a:lnSpc>
+              <a:spcBef>
+                <a:spcPct val="0"/>
+              </a:spcBef>
+              <a:spcAft>
+                <a:spcPct val="25000"/>
+              </a:spcAft>
+              <a:buChar char="•"/>
+              <a:defRPr sz="1800">
+                <a:solidFill>
+                  <a:srgbClr val="000000"/>
+                </a:solidFill>
+                <a:latin typeface="+mn-lt"/>
+              </a:defRPr>
+            </a:lvl6pPr>
+            <a:lvl7pPr marL="1801371" indent="-130966" algn="l" rtl="0" eaLnBrk="1" fontAlgn="base" hangingPunct="1">
+              <a:lnSpc>
+                <a:spcPct val="95000"/>
+              </a:lnSpc>
+              <a:spcBef>
+                <a:spcPct val="0"/>
+              </a:spcBef>
+              <a:spcAft>
+                <a:spcPct val="25000"/>
+              </a:spcAft>
+              <a:buChar char="•"/>
+              <a:defRPr sz="1800">
+                <a:solidFill>
+                  <a:srgbClr val="000000"/>
+                </a:solidFill>
+                <a:latin typeface="+mn-lt"/>
+              </a:defRPr>
+            </a:lvl7pPr>
+            <a:lvl8pPr marL="2144263" indent="-130966" algn="l" rtl="0" eaLnBrk="1" fontAlgn="base" hangingPunct="1">
+              <a:lnSpc>
+                <a:spcPct val="95000"/>
+              </a:lnSpc>
+              <a:spcBef>
+                <a:spcPct val="0"/>
+              </a:spcBef>
+              <a:spcAft>
+                <a:spcPct val="25000"/>
+              </a:spcAft>
+              <a:buChar char="•"/>
+              <a:defRPr sz="1800">
+                <a:solidFill>
+                  <a:srgbClr val="000000"/>
+                </a:solidFill>
+                <a:latin typeface="+mn-lt"/>
+              </a:defRPr>
+            </a:lvl8pPr>
+            <a:lvl9pPr marL="2487154" indent="-130966" algn="l" rtl="0" eaLnBrk="1" fontAlgn="base" hangingPunct="1">
+              <a:lnSpc>
+                <a:spcPct val="95000"/>
+              </a:lnSpc>
+              <a:spcBef>
+                <a:spcPct val="0"/>
+              </a:spcBef>
+              <a:spcAft>
+                <a:spcPct val="25000"/>
+              </a:spcAft>
+              <a:buChar char="•"/>
+              <a:defRPr sz="1800">
+                <a:solidFill>
+                  <a:srgbClr val="000000"/>
+                </a:solidFill>
+                <a:latin typeface="+mn-lt"/>
+              </a:defRPr>
+            </a:lvl9pPr>
+          </a:lstStyle>
+          <a:p>
+            <a:r>
+              <a:rPr lang="en-US" kern="0" dirty="0"/>
+              <a:t>Consolidated Edison Co.</a:t>
+            </a:r>
+          </a:p>
+          <a:p>
+            <a:r>
+              <a:rPr lang="en-US" kern="0" dirty="0"/>
+              <a:t>New York, NY</a:t>
             </a:r>
           </a:p>
         </p:txBody>
@@ -18622,7 +19073,7 @@
           <a:graphicData uri="http://schemas.openxmlformats.org/presentationml/2006/ole">
             <mc:AlternateContent xmlns:mc="http://schemas.openxmlformats.org/markup-compatibility/2006">
               <mc:Choice xmlns:v="urn:schemas-microsoft-com:vml" Requires="v">
-                <p:oleObj spid="_x0000_s1036" name="Equation" r:id="rId3" imgW="1663700" imgH="812800" progId="Equation.3">
+                <p:oleObj spid="_x0000_s1038" name="Equation" r:id="rId3" imgW="1663700" imgH="812800" progId="Equation.3">
                   <p:embed/>
                 </p:oleObj>
               </mc:Choice>
@@ -18897,7 +19348,7 @@
           <a:graphicData uri="http://schemas.openxmlformats.org/presentationml/2006/ole">
             <mc:AlternateContent xmlns:mc="http://schemas.openxmlformats.org/markup-compatibility/2006">
               <mc:Choice xmlns:v="urn:schemas-microsoft-com:vml" Requires="v">
-                <p:oleObj spid="_x0000_s1037" name="Equation" r:id="rId5" imgW="1828800" imgH="457200" progId="Equation.3">
+                <p:oleObj spid="_x0000_s1039" name="Equation" r:id="rId5" imgW="1828800" imgH="457200" progId="Equation.3">
                   <p:embed/>
                 </p:oleObj>
               </mc:Choice>
@@ -30534,6 +30985,14 @@
 </file>
 
 <file path=customXml/item1.xml><?xml version="1.0" encoding="utf-8"?>
+<p:properties xmlns:p="http://schemas.microsoft.com/office/2006/metadata/properties" xmlns:xsi="http://www.w3.org/2001/XMLSchema-instance" xmlns:pc="http://schemas.microsoft.com/office/infopath/2007/PartnerControls">
+  <documentManagement>
+    <Category xmlns="9d4eb815-23ed-48d9-b0c1-2b9ce0016f4e">EPRI PowerPoint Template</Category>
+  </documentManagement>
+</p:properties>
+</file>
+
+<file path=customXml/item2.xml><?xml version="1.0" encoding="utf-8"?>
 <ct:contentTypeSchema xmlns:ct="http://schemas.microsoft.com/office/2006/metadata/contentType" xmlns:ma="http://schemas.microsoft.com/office/2006/metadata/properties/metaAttributes" ct:_="" ma:_="" ma:contentTypeName="Document" ma:contentTypeID="0x010100D67101F030D76349B9BDDCB7E839049A" ma:contentTypeVersion="1" ma:contentTypeDescription="Create a new document." ma:contentTypeScope="" ma:versionID="734fc11b70f2696fea1b768389187637">
   <xsd:schema xmlns:xsd="http://www.w3.org/2001/XMLSchema" xmlns:xs="http://www.w3.org/2001/XMLSchema" xmlns:p="http://schemas.microsoft.com/office/2006/metadata/properties" xmlns:ns2="9d4eb815-23ed-48d9-b0c1-2b9ce0016f4e" targetNamespace="http://schemas.microsoft.com/office/2006/metadata/properties" ma:root="true" ma:fieldsID="2b4a09c436e99444c649b2400fdb07dc" ns2:_="">
     <xsd:import namespace="9d4eb815-23ed-48d9-b0c1-2b9ce0016f4e"/>
@@ -30665,14 +31124,6 @@
 </ct:contentTypeSchema>
 </file>
 
-<file path=customXml/item2.xml><?xml version="1.0" encoding="utf-8"?>
-<p:properties xmlns:p="http://schemas.microsoft.com/office/2006/metadata/properties" xmlns:xsi="http://www.w3.org/2001/XMLSchema-instance" xmlns:pc="http://schemas.microsoft.com/office/infopath/2007/PartnerControls">
-  <documentManagement>
-    <Category xmlns="9d4eb815-23ed-48d9-b0c1-2b9ce0016f4e">EPRI PowerPoint Template</Category>
-  </documentManagement>
-</p:properties>
-</file>
-
 <file path=customXml/item3.xml><?xml version="1.0" encoding="utf-8"?>
 <?mso-contentType ?>
 <FormTemplates xmlns="http://schemas.microsoft.com/sharepoint/v3/contenttype/forms">
@@ -30683,6 +31134,22 @@
 </file>
 
 <file path=customXml/itemProps1.xml><?xml version="1.0" encoding="utf-8"?>
+<ds:datastoreItem xmlns:ds="http://schemas.openxmlformats.org/officeDocument/2006/customXml" ds:itemID="{45521A8B-3986-40B6-95DF-B5A721DA9604}">
+  <ds:schemaRefs>
+    <ds:schemaRef ds:uri="9d4eb815-23ed-48d9-b0c1-2b9ce0016f4e"/>
+    <ds:schemaRef ds:uri="http://purl.org/dc/terms/"/>
+    <ds:schemaRef ds:uri="http://schemas.microsoft.com/office/2006/documentManagement/types"/>
+    <ds:schemaRef ds:uri="http://www.w3.org/XML/1998/namespace"/>
+    <ds:schemaRef ds:uri="http://schemas.microsoft.com/office/infopath/2007/PartnerControls"/>
+    <ds:schemaRef ds:uri="http://purl.org/dc/elements/1.1/"/>
+    <ds:schemaRef ds:uri="http://schemas.microsoft.com/office/2006/metadata/properties"/>
+    <ds:schemaRef ds:uri="http://schemas.openxmlformats.org/package/2006/metadata/core-properties"/>
+    <ds:schemaRef ds:uri="http://purl.org/dc/dcmitype/"/>
+  </ds:schemaRefs>
+</ds:datastoreItem>
+</file>
+
+<file path=customXml/itemProps2.xml><?xml version="1.0" encoding="utf-8"?>
 <ds:datastoreItem xmlns:ds="http://schemas.openxmlformats.org/officeDocument/2006/customXml" ds:itemID="{9F8FDBBD-CE4F-4A8C-8C02-158CA41BCB1D}">
   <ds:schemaRefs>
     <ds:schemaRef ds:uri="http://schemas.microsoft.com/office/2006/metadata/contentType"/>
@@ -30700,22 +31167,6 @@
 </ds:datastoreItem>
 </file>
 
-<file path=customXml/itemProps2.xml><?xml version="1.0" encoding="utf-8"?>
-<ds:datastoreItem xmlns:ds="http://schemas.openxmlformats.org/officeDocument/2006/customXml" ds:itemID="{45521A8B-3986-40B6-95DF-B5A721DA9604}">
-  <ds:schemaRefs>
-    <ds:schemaRef ds:uri="9d4eb815-23ed-48d9-b0c1-2b9ce0016f4e"/>
-    <ds:schemaRef ds:uri="http://purl.org/dc/terms/"/>
-    <ds:schemaRef ds:uri="http://schemas.microsoft.com/office/2006/documentManagement/types"/>
-    <ds:schemaRef ds:uri="http://www.w3.org/XML/1998/namespace"/>
-    <ds:schemaRef ds:uri="http://schemas.microsoft.com/office/infopath/2007/PartnerControls"/>
-    <ds:schemaRef ds:uri="http://purl.org/dc/elements/1.1/"/>
-    <ds:schemaRef ds:uri="http://schemas.microsoft.com/office/2006/metadata/properties"/>
-    <ds:schemaRef ds:uri="http://schemas.openxmlformats.org/package/2006/metadata/core-properties"/>
-    <ds:schemaRef ds:uri="http://purl.org/dc/dcmitype/"/>
-  </ds:schemaRefs>
-</ds:datastoreItem>
-</file>
-
 <file path=customXml/itemProps3.xml><?xml version="1.0" encoding="utf-8"?>
 <ds:datastoreItem xmlns:ds="http://schemas.openxmlformats.org/officeDocument/2006/customXml" ds:itemID="{B9E07810-A7D8-4B3A-A78F-4052749F2489}">
   <ds:schemaRefs>
